--- a/docs/Diagramme-cas-utilisation-social/images/Diagramme-cas-utilisation-social.pptx
+++ b/docs/Diagramme-cas-utilisation-social/images/Diagramme-cas-utilisation-social.pptx
@@ -5459,10 +5459,10 @@
         </p:nvGrpSpPr>
         <p:grpSpPr>
           <a:xfrm>
-            <a:off x="7626650" y="157400"/>
-            <a:ext cx="1222500" cy="1067600"/>
+            <a:off x="436178" y="1156925"/>
+            <a:ext cx="1350251" cy="1174525"/>
             <a:chOff x="-149375" y="31900"/>
-            <a:chExt cx="1222500" cy="1067600"/>
+            <a:chExt cx="1222500" cy="1063400"/>
           </a:xfrm>
         </p:grpSpPr>
         <p:sp>
@@ -5474,7 +5474,7 @@
           <p:spPr>
             <a:xfrm>
               <a:off x="-149375" y="760800"/>
-              <a:ext cx="1222500" cy="338700"/>
+              <a:ext cx="1222500" cy="334500"/>
             </a:xfrm>
             <a:prstGeom prst="rect">
               <a:avLst/>
@@ -5508,7 +5508,7 @@
                 <a:buNone/>
               </a:pPr>
               <a:r>
-                <a:rPr b="0" i="0" lang="en" sz="1000" u="none" cap="none" strike="noStrike">
+                <a:rPr b="0" i="0" lang="en" sz="1200" u="none" cap="none" strike="noStrike">
                   <a:solidFill>
                     <a:srgbClr val="3D85C6"/>
                   </a:solidFill>
@@ -5519,7 +5519,7 @@
                 </a:rPr>
                 <a:t>   Service Social</a:t>
               </a:r>
-              <a:endParaRPr b="0" i="0" sz="1000" u="none" cap="none" strike="noStrike">
+              <a:endParaRPr b="0" i="0" sz="1200" u="none" cap="none" strike="noStrike">
                 <a:solidFill>
                   <a:srgbClr val="3D85C6"/>
                 </a:solidFill>
@@ -5559,441 +5559,9 @@
           </p:spPr>
         </p:pic>
       </p:grpSp>
-      <p:grpSp>
-        <p:nvGrpSpPr>
-          <p:cNvPr id="57" name="Google Shape;57;p13"/>
-          <p:cNvGrpSpPr/>
-          <p:nvPr/>
-        </p:nvGrpSpPr>
-        <p:grpSpPr>
-          <a:xfrm>
-            <a:off x="294850" y="1367600"/>
-            <a:ext cx="1883100" cy="1082725"/>
-            <a:chOff x="-173675" y="108100"/>
-            <a:chExt cx="1883100" cy="1082725"/>
-          </a:xfrm>
-        </p:grpSpPr>
-        <p:sp>
-          <p:nvSpPr>
-            <p:cNvPr id="58" name="Google Shape;58;p13"/>
-            <p:cNvSpPr txBox="1"/>
-            <p:nvPr/>
-          </p:nvSpPr>
-          <p:spPr>
-            <a:xfrm>
-              <a:off x="-173675" y="852125"/>
-              <a:ext cx="1883100" cy="338700"/>
-            </a:xfrm>
-            <a:prstGeom prst="rect">
-              <a:avLst/>
-            </a:prstGeom>
-            <a:noFill/>
-            <a:ln>
-              <a:noFill/>
-            </a:ln>
-          </p:spPr>
-          <p:txBody>
-            <a:bodyPr anchorCtr="0" anchor="t" bIns="91425" lIns="91425" spcFirstLastPara="1" rIns="91425" wrap="square" tIns="91425">
-              <a:spAutoFit/>
-            </a:bodyPr>
-            <a:lstStyle/>
-            <a:p>
-              <a:pPr indent="0" lvl="0" marL="0" marR="0" rtl="0" algn="l">
-                <a:lnSpc>
-                  <a:spcPct val="100000"/>
-                </a:lnSpc>
-                <a:spcBef>
-                  <a:spcPts val="0"/>
-                </a:spcBef>
-                <a:spcAft>
-                  <a:spcPts val="0"/>
-                </a:spcAft>
-                <a:buClr>
-                  <a:srgbClr val="000000"/>
-                </a:buClr>
-                <a:buSzPts val="1000"/>
-                <a:buFont typeface="Arial"/>
-                <a:buNone/>
-              </a:pPr>
-              <a:r>
-                <a:rPr b="0" i="0" lang="en" sz="1000" u="none" cap="none" strike="noStrike">
-                  <a:solidFill>
-                    <a:srgbClr val="000000"/>
-                  </a:solidFill>
-                  <a:latin typeface="Arial"/>
-                  <a:ea typeface="Arial"/>
-                  <a:cs typeface="Arial"/>
-                  <a:sym typeface="Arial"/>
-                </a:rPr>
-                <a:t>Gestionnaire médecin général</a:t>
-              </a:r>
-              <a:endParaRPr b="0" i="0" sz="1000" u="none" cap="none" strike="noStrike">
-                <a:solidFill>
-                  <a:srgbClr val="000000"/>
-                </a:solidFill>
-                <a:latin typeface="Arial"/>
-                <a:ea typeface="Arial"/>
-                <a:cs typeface="Arial"/>
-                <a:sym typeface="Arial"/>
-              </a:endParaRPr>
-            </a:p>
-          </p:txBody>
-        </p:sp>
-        <p:pic>
-          <p:nvPicPr>
-            <p:cNvPr id="59" name="Google Shape;59;p13"/>
-            <p:cNvPicPr preferRelativeResize="0"/>
-            <p:nvPr/>
-          </p:nvPicPr>
-          <p:blipFill rotWithShape="1">
-            <a:blip r:embed="rId3">
-              <a:alphaModFix/>
-            </a:blip>
-            <a:srcRect b="0" l="0" r="0" t="0"/>
-            <a:stretch/>
-          </p:blipFill>
-          <p:spPr>
-            <a:xfrm>
-              <a:off x="251025" y="108100"/>
-              <a:ext cx="421700" cy="765475"/>
-            </a:xfrm>
-            <a:prstGeom prst="rect">
-              <a:avLst/>
-            </a:prstGeom>
-            <a:noFill/>
-            <a:ln>
-              <a:noFill/>
-            </a:ln>
-          </p:spPr>
-        </p:pic>
-      </p:grpSp>
-      <p:grpSp>
-        <p:nvGrpSpPr>
-          <p:cNvPr id="60" name="Google Shape;60;p13"/>
-          <p:cNvGrpSpPr/>
-          <p:nvPr/>
-        </p:nvGrpSpPr>
-        <p:grpSpPr>
-          <a:xfrm>
-            <a:off x="7384225" y="2774700"/>
-            <a:ext cx="1222500" cy="1067600"/>
-            <a:chOff x="-149375" y="108100"/>
-            <a:chExt cx="1222500" cy="1067600"/>
-          </a:xfrm>
-        </p:grpSpPr>
-        <p:sp>
-          <p:nvSpPr>
-            <p:cNvPr id="61" name="Google Shape;61;p13"/>
-            <p:cNvSpPr txBox="1"/>
-            <p:nvPr/>
-          </p:nvSpPr>
-          <p:spPr>
-            <a:xfrm>
-              <a:off x="-149375" y="837000"/>
-              <a:ext cx="1222500" cy="338700"/>
-            </a:xfrm>
-            <a:prstGeom prst="rect">
-              <a:avLst/>
-            </a:prstGeom>
-            <a:noFill/>
-            <a:ln>
-              <a:noFill/>
-            </a:ln>
-          </p:spPr>
-          <p:txBody>
-            <a:bodyPr anchorCtr="0" anchor="t" bIns="91425" lIns="91425" spcFirstLastPara="1" rIns="91425" wrap="square" tIns="91425">
-              <a:spAutoFit/>
-            </a:bodyPr>
-            <a:lstStyle/>
-            <a:p>
-              <a:pPr indent="0" lvl="0" marL="0" marR="0" rtl="0" algn="ctr">
-                <a:lnSpc>
-                  <a:spcPct val="100000"/>
-                </a:lnSpc>
-                <a:spcBef>
-                  <a:spcPts val="0"/>
-                </a:spcBef>
-                <a:spcAft>
-                  <a:spcPts val="0"/>
-                </a:spcAft>
-                <a:buClr>
-                  <a:srgbClr val="000000"/>
-                </a:buClr>
-                <a:buSzPts val="1100"/>
-                <a:buFont typeface="Arial"/>
-                <a:buNone/>
-              </a:pPr>
-              <a:r>
-                <a:rPr b="0" i="0" lang="en" sz="1000" u="none" cap="none" strike="noStrike">
-                  <a:solidFill>
-                    <a:srgbClr val="000000"/>
-                  </a:solidFill>
-                  <a:latin typeface="Arial"/>
-                  <a:ea typeface="Arial"/>
-                  <a:cs typeface="Arial"/>
-                  <a:sym typeface="Arial"/>
-                </a:rPr>
-                <a:t>Directrice</a:t>
-              </a:r>
-              <a:endParaRPr b="0" i="0" sz="1000" u="none" cap="none" strike="noStrike">
-                <a:solidFill>
-                  <a:srgbClr val="000000"/>
-                </a:solidFill>
-                <a:latin typeface="Arial"/>
-                <a:ea typeface="Arial"/>
-                <a:cs typeface="Arial"/>
-                <a:sym typeface="Arial"/>
-              </a:endParaRPr>
-            </a:p>
-          </p:txBody>
-        </p:sp>
-        <p:pic>
-          <p:nvPicPr>
-            <p:cNvPr id="62" name="Google Shape;62;p13"/>
-            <p:cNvPicPr preferRelativeResize="0"/>
-            <p:nvPr/>
-          </p:nvPicPr>
-          <p:blipFill rotWithShape="1">
-            <a:blip r:embed="rId3">
-              <a:alphaModFix/>
-            </a:blip>
-            <a:srcRect b="0" l="0" r="0" t="0"/>
-            <a:stretch/>
-          </p:blipFill>
-          <p:spPr>
-            <a:xfrm>
-              <a:off x="251025" y="108100"/>
-              <a:ext cx="421700" cy="765475"/>
-            </a:xfrm>
-            <a:prstGeom prst="rect">
-              <a:avLst/>
-            </a:prstGeom>
-            <a:noFill/>
-            <a:ln>
-              <a:noFill/>
-            </a:ln>
-          </p:spPr>
-        </p:pic>
-      </p:grpSp>
-      <p:grpSp>
-        <p:nvGrpSpPr>
-          <p:cNvPr id="63" name="Google Shape;63;p13"/>
-          <p:cNvGrpSpPr/>
-          <p:nvPr/>
-        </p:nvGrpSpPr>
-        <p:grpSpPr>
-          <a:xfrm>
-            <a:off x="346450" y="2433625"/>
-            <a:ext cx="1222500" cy="1221500"/>
-            <a:chOff x="-149375" y="108100"/>
-            <a:chExt cx="1222500" cy="1221500"/>
-          </a:xfrm>
-        </p:grpSpPr>
-        <p:sp>
-          <p:nvSpPr>
-            <p:cNvPr id="64" name="Google Shape;64;p13"/>
-            <p:cNvSpPr txBox="1"/>
-            <p:nvPr/>
-          </p:nvSpPr>
-          <p:spPr>
-            <a:xfrm>
-              <a:off x="-149375" y="837000"/>
-              <a:ext cx="1222500" cy="492600"/>
-            </a:xfrm>
-            <a:prstGeom prst="rect">
-              <a:avLst/>
-            </a:prstGeom>
-            <a:noFill/>
-            <a:ln>
-              <a:noFill/>
-            </a:ln>
-          </p:spPr>
-          <p:txBody>
-            <a:bodyPr anchorCtr="0" anchor="t" bIns="91425" lIns="91425" spcFirstLastPara="1" rIns="91425" wrap="square" tIns="91425">
-              <a:spAutoFit/>
-            </a:bodyPr>
-            <a:lstStyle/>
-            <a:p>
-              <a:pPr indent="0" lvl="0" marL="0" marR="0" rtl="0" algn="l">
-                <a:lnSpc>
-                  <a:spcPct val="100000"/>
-                </a:lnSpc>
-                <a:spcBef>
-                  <a:spcPts val="0"/>
-                </a:spcBef>
-                <a:spcAft>
-                  <a:spcPts val="0"/>
-                </a:spcAft>
-                <a:buClr>
-                  <a:srgbClr val="000000"/>
-                </a:buClr>
-                <a:buSzPts val="1000"/>
-                <a:buFont typeface="Arial"/>
-                <a:buNone/>
-              </a:pPr>
-              <a:r>
-                <a:rPr b="0" i="0" lang="en" sz="1000" u="none" cap="none" strike="noStrike">
-                  <a:solidFill>
-                    <a:srgbClr val="000000"/>
-                  </a:solidFill>
-                  <a:latin typeface="Arial"/>
-                  <a:ea typeface="Arial"/>
-                  <a:cs typeface="Arial"/>
-                  <a:sym typeface="Arial"/>
-                </a:rPr>
-                <a:t>Gestion service médical</a:t>
-              </a:r>
-              <a:endParaRPr b="0" i="0" sz="1000" u="none" cap="none" strike="noStrike">
-                <a:solidFill>
-                  <a:srgbClr val="000000"/>
-                </a:solidFill>
-                <a:latin typeface="Arial"/>
-                <a:ea typeface="Arial"/>
-                <a:cs typeface="Arial"/>
-                <a:sym typeface="Arial"/>
-              </a:endParaRPr>
-            </a:p>
-          </p:txBody>
-        </p:sp>
-        <p:pic>
-          <p:nvPicPr>
-            <p:cNvPr id="65" name="Google Shape;65;p13"/>
-            <p:cNvPicPr preferRelativeResize="0"/>
-            <p:nvPr/>
-          </p:nvPicPr>
-          <p:blipFill rotWithShape="1">
-            <a:blip r:embed="rId3">
-              <a:alphaModFix/>
-            </a:blip>
-            <a:srcRect b="0" l="0" r="0" t="0"/>
-            <a:stretch/>
-          </p:blipFill>
-          <p:spPr>
-            <a:xfrm>
-              <a:off x="251025" y="108100"/>
-              <a:ext cx="421700" cy="765475"/>
-            </a:xfrm>
-            <a:prstGeom prst="rect">
-              <a:avLst/>
-            </a:prstGeom>
-            <a:noFill/>
-            <a:ln>
-              <a:noFill/>
-            </a:ln>
-          </p:spPr>
-        </p:pic>
-      </p:grpSp>
-      <p:grpSp>
-        <p:nvGrpSpPr>
-          <p:cNvPr id="66" name="Google Shape;66;p13"/>
-          <p:cNvGrpSpPr/>
-          <p:nvPr/>
-        </p:nvGrpSpPr>
-        <p:grpSpPr>
-          <a:xfrm>
-            <a:off x="7359700" y="3918500"/>
-            <a:ext cx="1222500" cy="1067600"/>
-            <a:chOff x="-149375" y="108100"/>
-            <a:chExt cx="1222500" cy="1067600"/>
-          </a:xfrm>
-        </p:grpSpPr>
-        <p:sp>
-          <p:nvSpPr>
-            <p:cNvPr id="67" name="Google Shape;67;p13"/>
-            <p:cNvSpPr txBox="1"/>
-            <p:nvPr/>
-          </p:nvSpPr>
-          <p:spPr>
-            <a:xfrm>
-              <a:off x="-149375" y="837000"/>
-              <a:ext cx="1222500" cy="338700"/>
-            </a:xfrm>
-            <a:prstGeom prst="rect">
-              <a:avLst/>
-            </a:prstGeom>
-            <a:noFill/>
-            <a:ln>
-              <a:noFill/>
-            </a:ln>
-          </p:spPr>
-          <p:txBody>
-            <a:bodyPr anchorCtr="0" anchor="t" bIns="91425" lIns="91425" spcFirstLastPara="1" rIns="91425" wrap="square" tIns="91425">
-              <a:spAutoFit/>
-            </a:bodyPr>
-            <a:lstStyle/>
-            <a:p>
-              <a:pPr indent="0" lvl="0" marL="0" marR="0" rtl="0" algn="ctr">
-                <a:lnSpc>
-                  <a:spcPct val="100000"/>
-                </a:lnSpc>
-                <a:spcBef>
-                  <a:spcPts val="0"/>
-                </a:spcBef>
-                <a:spcAft>
-                  <a:spcPts val="0"/>
-                </a:spcAft>
-                <a:buClr>
-                  <a:srgbClr val="000000"/>
-                </a:buClr>
-                <a:buSzPts val="1000"/>
-                <a:buFont typeface="Arial"/>
-                <a:buNone/>
-              </a:pPr>
-              <a:r>
-                <a:rPr b="0" i="0" lang="en" sz="1000" u="none" cap="none" strike="noStrike">
-                  <a:solidFill>
-                    <a:srgbClr val="000000"/>
-                  </a:solidFill>
-                  <a:latin typeface="Arial"/>
-                  <a:ea typeface="Arial"/>
-                  <a:cs typeface="Arial"/>
-                  <a:sym typeface="Arial"/>
-                </a:rPr>
-                <a:t>Admin</a:t>
-              </a:r>
-              <a:endParaRPr b="0" i="0" sz="1000" u="none" cap="none" strike="noStrike">
-                <a:solidFill>
-                  <a:srgbClr val="000000"/>
-                </a:solidFill>
-                <a:latin typeface="Arial"/>
-                <a:ea typeface="Arial"/>
-                <a:cs typeface="Arial"/>
-                <a:sym typeface="Arial"/>
-              </a:endParaRPr>
-            </a:p>
-          </p:txBody>
-        </p:sp>
-        <p:pic>
-          <p:nvPicPr>
-            <p:cNvPr id="68" name="Google Shape;68;p13"/>
-            <p:cNvPicPr preferRelativeResize="0"/>
-            <p:nvPr/>
-          </p:nvPicPr>
-          <p:blipFill rotWithShape="1">
-            <a:blip r:embed="rId3">
-              <a:alphaModFix/>
-            </a:blip>
-            <a:srcRect b="0" l="0" r="0" t="0"/>
-            <a:stretch/>
-          </p:blipFill>
-          <p:spPr>
-            <a:xfrm>
-              <a:off x="251025" y="108100"/>
-              <a:ext cx="421700" cy="765475"/>
-            </a:xfrm>
-            <a:prstGeom prst="rect">
-              <a:avLst/>
-            </a:prstGeom>
-            <a:noFill/>
-            <a:ln>
-              <a:noFill/>
-            </a:ln>
-          </p:spPr>
-        </p:pic>
-      </p:grpSp>
       <p:sp>
         <p:nvSpPr>
-          <p:cNvPr id="69" name="Google Shape;69;p13">
+          <p:cNvPr id="57" name="Google Shape;57;p13">
             <a:hlinkClick r:id="rId4"/>
           </p:cNvPr>
           <p:cNvSpPr/>
@@ -6001,189 +5569,8 @@
         </p:nvSpPr>
         <p:spPr>
           <a:xfrm>
-            <a:off x="5160850" y="968275"/>
-            <a:ext cx="2672100" cy="266700"/>
-          </a:xfrm>
-          <a:prstGeom prst="ellipse">
-            <a:avLst/>
-          </a:prstGeom>
-          <a:solidFill>
-            <a:srgbClr val="CFE2F3"/>
-          </a:solidFill>
-          <a:ln cap="flat" cmpd="sng" w="9525">
-            <a:solidFill>
-              <a:srgbClr val="000000"/>
-            </a:solidFill>
-            <a:prstDash val="solid"/>
-            <a:round/>
-            <a:headEnd len="sm" w="sm" type="none"/>
-            <a:tailEnd len="sm" w="sm" type="none"/>
-          </a:ln>
-        </p:spPr>
-        <p:txBody>
-          <a:bodyPr anchorCtr="0" anchor="ctr" bIns="91425" lIns="91425" spcFirstLastPara="1" rIns="91425" wrap="square" tIns="91425">
-            <a:noAutofit/>
-          </a:bodyPr>
-          <a:lstStyle/>
-          <a:p>
-            <a:pPr indent="0" lvl="0" marL="0" marR="0" rtl="0" algn="l">
-              <a:lnSpc>
-                <a:spcPct val="100000"/>
-              </a:lnSpc>
-              <a:spcBef>
-                <a:spcPts val="0"/>
-              </a:spcBef>
-              <a:spcAft>
-                <a:spcPts val="0"/>
-              </a:spcAft>
-              <a:buClr>
-                <a:srgbClr val="000000"/>
-              </a:buClr>
-              <a:buSzPts val="1100"/>
-              <a:buFont typeface="Arial"/>
-              <a:buNone/>
-            </a:pPr>
-            <a:r>
-              <a:rPr b="0" i="0" lang="en" sz="1100" u="none" cap="none" strike="noStrike">
-                <a:solidFill>
-                  <a:srgbClr val="000000"/>
-                </a:solidFill>
-                <a:latin typeface="Arial"/>
-                <a:ea typeface="Arial"/>
-                <a:cs typeface="Arial"/>
-                <a:sym typeface="Arial"/>
-              </a:rPr>
-              <a:t>Gestion des</a:t>
-            </a:r>
-            <a:r>
-              <a:rPr b="0" i="0" lang="en" sz="1100" u="sng" cap="none" strike="noStrike">
-                <a:solidFill>
-                  <a:srgbClr val="000000"/>
-                </a:solidFill>
-                <a:latin typeface="Arial"/>
-                <a:ea typeface="Arial"/>
-                <a:cs typeface="Arial"/>
-                <a:sym typeface="Arial"/>
-                <a:hlinkClick>
-                  <a:extLst>
-                    <a:ext uri="{A12FA001-AC4F-418D-AE19-62706E023703}">
-                      <ahyp:hlinkClr val="tx"/>
-                    </a:ext>
-                  </a:extLst>
-                </a:hlinkClick>
-              </a:rPr>
-              <a:t> dossier </a:t>
-            </a:r>
-            <a:r>
-              <a:rPr b="0" i="0" lang="en" sz="1100" u="sng" cap="none" strike="noStrike">
-                <a:solidFill>
-                  <a:srgbClr val="000000"/>
-                </a:solidFill>
-                <a:latin typeface="Arial"/>
-                <a:ea typeface="Arial"/>
-                <a:cs typeface="Arial"/>
-                <a:sym typeface="Arial"/>
-              </a:rPr>
-              <a:t>patient</a:t>
-            </a:r>
-            <a:endParaRPr b="0" i="0" sz="1100" u="sng" cap="none" strike="noStrike">
-              <a:solidFill>
-                <a:srgbClr val="000000"/>
-              </a:solidFill>
-              <a:latin typeface="Arial"/>
-              <a:ea typeface="Arial"/>
-              <a:cs typeface="Arial"/>
-              <a:sym typeface="Arial"/>
-            </a:endParaRPr>
-          </a:p>
-        </p:txBody>
-      </p:sp>
-      <p:sp>
-        <p:nvSpPr>
-          <p:cNvPr id="70" name="Google Shape;70;p13">
-            <a:hlinkClick r:id="rId5"/>
-          </p:cNvPr>
-          <p:cNvSpPr/>
-          <p:nvPr/>
-        </p:nvSpPr>
-        <p:spPr>
-          <a:xfrm>
-            <a:off x="1801353" y="271575"/>
-            <a:ext cx="2863800" cy="266700"/>
-          </a:xfrm>
-          <a:prstGeom prst="ellipse">
-            <a:avLst/>
-          </a:prstGeom>
-          <a:solidFill>
-            <a:schemeClr val="lt1"/>
-          </a:solidFill>
-          <a:ln cap="flat" cmpd="sng" w="9525">
-            <a:solidFill>
-              <a:srgbClr val="000000"/>
-            </a:solidFill>
-            <a:prstDash val="solid"/>
-            <a:round/>
-            <a:headEnd len="sm" w="sm" type="none"/>
-            <a:tailEnd len="sm" w="sm" type="none"/>
-          </a:ln>
-        </p:spPr>
-        <p:txBody>
-          <a:bodyPr anchorCtr="0" anchor="ctr" bIns="91425" lIns="91425" spcFirstLastPara="1" rIns="91425" wrap="square" tIns="91425">
-            <a:noAutofit/>
-          </a:bodyPr>
-          <a:lstStyle/>
-          <a:p>
-            <a:pPr indent="0" lvl="0" marL="0" marR="0" rtl="0" algn="l">
-              <a:lnSpc>
-                <a:spcPct val="100000"/>
-              </a:lnSpc>
-              <a:spcBef>
-                <a:spcPts val="0"/>
-              </a:spcBef>
-              <a:spcAft>
-                <a:spcPts val="0"/>
-              </a:spcAft>
-              <a:buClr>
-                <a:srgbClr val="000000"/>
-              </a:buClr>
-              <a:buSzPts val="1100"/>
-              <a:buFont typeface="Arial"/>
-              <a:buNone/>
-            </a:pPr>
-            <a:r>
-              <a:rPr b="0" i="0" lang="en" sz="1100" u="sng" cap="none" strike="noStrike">
-                <a:solidFill>
-                  <a:srgbClr val="000000"/>
-                </a:solidFill>
-                <a:latin typeface="Arial"/>
-                <a:ea typeface="Arial"/>
-                <a:cs typeface="Arial"/>
-                <a:sym typeface="Arial"/>
-              </a:rPr>
-              <a:t>Gestion des rendez-vous </a:t>
-            </a:r>
-            <a:endParaRPr b="0" i="0" sz="1100" u="sng" cap="none" strike="noStrike">
-              <a:solidFill>
-                <a:srgbClr val="000000"/>
-              </a:solidFill>
-              <a:latin typeface="Arial"/>
-              <a:ea typeface="Arial"/>
-              <a:cs typeface="Arial"/>
-              <a:sym typeface="Arial"/>
-            </a:endParaRPr>
-          </a:p>
-        </p:txBody>
-      </p:sp>
-      <p:sp>
-        <p:nvSpPr>
-          <p:cNvPr id="71" name="Google Shape;71;p13"/>
-          <p:cNvSpPr/>
-          <p:nvPr/>
-        </p:nvSpPr>
-        <p:spPr>
-          <a:xfrm>
-            <a:off x="5649475" y="3201250"/>
-            <a:ext cx="1768200" cy="282000"/>
+            <a:off x="3235950" y="1536050"/>
+            <a:ext cx="3368700" cy="590400"/>
           </a:xfrm>
           <a:prstGeom prst="ellipse">
             <a:avLst/>
@@ -6225,7 +5612,7 @@
               <a:buNone/>
             </a:pPr>
             <a:r>
-              <a:rPr b="0" i="0" lang="en" sz="1100" u="none" cap="none" strike="noStrike">
+              <a:rPr b="0" i="0" lang="en" sz="1600" u="none" cap="none" strike="noStrike">
                 <a:solidFill>
                   <a:srgbClr val="000000"/>
                 </a:solidFill>
@@ -6234,9 +5621,40 @@
                 <a:cs typeface="Arial"/>
                 <a:sym typeface="Arial"/>
               </a:rPr>
-              <a:t>Statistiques</a:t>
+              <a:t>Gestion des</a:t>
             </a:r>
-            <a:endParaRPr b="0" i="0" sz="1100" u="none" cap="none" strike="noStrike">
+            <a:r>
+              <a:rPr b="0" i="0" lang="en" sz="1600" u="sng" cap="none" strike="noStrike">
+                <a:solidFill>
+                  <a:srgbClr val="000000"/>
+                </a:solidFill>
+                <a:latin typeface="Arial"/>
+                <a:ea typeface="Arial"/>
+                <a:cs typeface="Arial"/>
+                <a:sym typeface="Arial"/>
+                <a:hlinkClick>
+                  <a:extLst>
+                    <a:ext uri="{A12FA001-AC4F-418D-AE19-62706E023703}">
+                      <ahyp:hlinkClr val="tx"/>
+                    </a:ext>
+                  </a:extLst>
+                </a:hlinkClick>
+              </a:rPr>
+              <a:t> dossier </a:t>
+            </a:r>
+            <a:r>
+              <a:rPr b="0" i="0" lang="en" sz="1600" u="sng" cap="none" strike="noStrike">
+                <a:solidFill>
+                  <a:srgbClr val="000000"/>
+                </a:solidFill>
+                <a:latin typeface="Arial"/>
+                <a:ea typeface="Arial"/>
+                <a:cs typeface="Arial"/>
+                <a:sym typeface="Arial"/>
+              </a:rPr>
+              <a:t>patient</a:t>
+            </a:r>
+            <a:endParaRPr b="0" i="0" sz="1600" u="sng" cap="none" strike="noStrike">
               <a:solidFill>
                 <a:srgbClr val="000000"/>
               </a:solidFill>
@@ -6250,17 +5668,17 @@
       </p:sp>
       <p:cxnSp>
         <p:nvCxnSpPr>
-          <p:cNvPr id="72" name="Google Shape;72;p13"/>
+          <p:cNvPr id="58" name="Google Shape;58;p13"/>
           <p:cNvCxnSpPr>
-            <a:stCxn id="62" idx="1"/>
-            <a:endCxn id="71" idx="6"/>
+            <a:stCxn id="59" idx="2"/>
+            <a:endCxn id="57" idx="3"/>
           </p:cNvCxnSpPr>
           <p:nvPr/>
         </p:nvCxnSpPr>
         <p:spPr>
-          <a:xfrm flipH="1">
-            <a:off x="7417725" y="3157437"/>
-            <a:ext cx="366900" cy="184800"/>
+          <a:xfrm flipH="1" rot="10800000">
+            <a:off x="1876300" y="2039975"/>
+            <a:ext cx="1853100" cy="1802400"/>
           </a:xfrm>
           <a:prstGeom prst="straightConnector1">
             <a:avLst/>
@@ -6268,7 +5686,36 @@
           <a:noFill/>
           <a:ln cap="flat" cmpd="sng" w="9525">
             <a:solidFill>
-              <a:srgbClr val="000000"/>
+              <a:srgbClr val="595959"/>
+            </a:solidFill>
+            <a:prstDash val="dash"/>
+            <a:round/>
+            <a:headEnd len="sm" w="sm" type="none"/>
+            <a:tailEnd len="med" w="med" type="triangle"/>
+          </a:ln>
+        </p:spPr>
+      </p:cxnSp>
+      <p:cxnSp>
+        <p:nvCxnSpPr>
+          <p:cNvPr id="60" name="Google Shape;60;p13"/>
+          <p:cNvCxnSpPr>
+            <a:stCxn id="56" idx="3"/>
+            <a:endCxn id="57" idx="2"/>
+          </p:cNvCxnSpPr>
+          <p:nvPr/>
+        </p:nvCxnSpPr>
+        <p:spPr>
+          <a:xfrm>
+            <a:off x="1344188" y="1579658"/>
+            <a:ext cx="1891800" cy="251700"/>
+          </a:xfrm>
+          <a:prstGeom prst="straightConnector1">
+            <a:avLst/>
+          </a:prstGeom>
+          <a:noFill/>
+          <a:ln cap="flat" cmpd="sng" w="9525">
+            <a:solidFill>
+              <a:srgbClr val="595959"/>
             </a:solidFill>
             <a:prstDash val="solid"/>
             <a:round/>
@@ -6277,124 +5724,16 @@
           </a:ln>
         </p:spPr>
       </p:cxnSp>
-      <p:grpSp>
-        <p:nvGrpSpPr>
-          <p:cNvPr id="73" name="Google Shape;73;p13"/>
-          <p:cNvGrpSpPr/>
-          <p:nvPr/>
-        </p:nvGrpSpPr>
-        <p:grpSpPr>
-          <a:xfrm>
-            <a:off x="422600" y="315775"/>
-            <a:ext cx="1652400" cy="1205725"/>
-            <a:chOff x="92875" y="108100"/>
-            <a:chExt cx="1652400" cy="1205725"/>
-          </a:xfrm>
-        </p:grpSpPr>
-        <p:sp>
-          <p:nvSpPr>
-            <p:cNvPr id="74" name="Google Shape;74;p13"/>
-            <p:cNvSpPr txBox="1"/>
-            <p:nvPr/>
-          </p:nvSpPr>
-          <p:spPr>
-            <a:xfrm>
-              <a:off x="92875" y="821225"/>
-              <a:ext cx="1652400" cy="492600"/>
-            </a:xfrm>
-            <a:prstGeom prst="rect">
-              <a:avLst/>
-            </a:prstGeom>
-            <a:noFill/>
-            <a:ln>
-              <a:noFill/>
-            </a:ln>
-          </p:spPr>
-          <p:txBody>
-            <a:bodyPr anchorCtr="0" anchor="t" bIns="91425" lIns="91425" spcFirstLastPara="1" rIns="91425" wrap="square" tIns="91425">
-              <a:spAutoFit/>
-            </a:bodyPr>
-            <a:lstStyle/>
-            <a:p>
-              <a:pPr indent="0" lvl="0" marL="0" marR="0" rtl="0" algn="l">
-                <a:lnSpc>
-                  <a:spcPct val="100000"/>
-                </a:lnSpc>
-                <a:spcBef>
-                  <a:spcPts val="0"/>
-                </a:spcBef>
-                <a:spcAft>
-                  <a:spcPts val="0"/>
-                </a:spcAft>
-                <a:buClr>
-                  <a:srgbClr val="000000"/>
-                </a:buClr>
-                <a:buSzPts val="1000"/>
-                <a:buFont typeface="Arial"/>
-                <a:buNone/>
-              </a:pPr>
-              <a:r>
-                <a:rPr b="0" i="0" lang="en" sz="1000" u="none" cap="none" strike="noStrike">
-                  <a:solidFill>
-                    <a:srgbClr val="000000"/>
-                  </a:solidFill>
-                  <a:latin typeface="Arial"/>
-                  <a:ea typeface="Arial"/>
-                  <a:cs typeface="Arial"/>
-                  <a:sym typeface="Arial"/>
-                </a:rPr>
-                <a:t>gestionnaire des consultations</a:t>
-              </a:r>
-              <a:endParaRPr b="0" i="0" sz="1000" u="none" cap="none" strike="noStrike">
-                <a:solidFill>
-                  <a:srgbClr val="000000"/>
-                </a:solidFill>
-                <a:latin typeface="Arial"/>
-                <a:ea typeface="Arial"/>
-                <a:cs typeface="Arial"/>
-                <a:sym typeface="Arial"/>
-              </a:endParaRPr>
-            </a:p>
-          </p:txBody>
-        </p:sp>
-        <p:pic>
-          <p:nvPicPr>
-            <p:cNvPr id="75" name="Google Shape;75;p13"/>
-            <p:cNvPicPr preferRelativeResize="0"/>
-            <p:nvPr/>
-          </p:nvPicPr>
-          <p:blipFill rotWithShape="1">
-            <a:blip r:embed="rId3">
-              <a:alphaModFix/>
-            </a:blip>
-            <a:srcRect b="0" l="0" r="0" t="0"/>
-            <a:stretch/>
-          </p:blipFill>
-          <p:spPr>
-            <a:xfrm>
-              <a:off x="251025" y="108100"/>
-              <a:ext cx="421700" cy="765475"/>
-            </a:xfrm>
-            <a:prstGeom prst="rect">
-              <a:avLst/>
-            </a:prstGeom>
-            <a:noFill/>
-            <a:ln>
-              <a:noFill/>
-            </a:ln>
-          </p:spPr>
-        </p:pic>
-      </p:grpSp>
       <p:sp>
         <p:nvSpPr>
-          <p:cNvPr id="76" name="Google Shape;76;p13"/>
+          <p:cNvPr id="61" name="Google Shape;61;p13"/>
           <p:cNvSpPr/>
           <p:nvPr/>
         </p:nvSpPr>
         <p:spPr>
           <a:xfrm>
-            <a:off x="5612800" y="4254625"/>
-            <a:ext cx="1768200" cy="282000"/>
+            <a:off x="3235950" y="2394000"/>
+            <a:ext cx="3368700" cy="590400"/>
           </a:xfrm>
           <a:prstGeom prst="ellipse">
             <a:avLst/>
@@ -6436,7 +5775,7 @@
               <a:buNone/>
             </a:pPr>
             <a:r>
-              <a:rPr b="0" i="0" lang="en" sz="1100" u="none" cap="none" strike="noStrike">
+              <a:rPr b="0" i="0" lang="en" sz="1600" u="none" cap="none" strike="noStrike">
                 <a:solidFill>
                   <a:srgbClr val="000000"/>
                 </a:solidFill>
@@ -6445,348 +5784,9 @@
                 <a:cs typeface="Arial"/>
                 <a:sym typeface="Arial"/>
               </a:rPr>
-              <a:t>Paramètres</a:t>
+              <a:t>Gestion des orientations externes</a:t>
             </a:r>
-            <a:endParaRPr b="0" i="0" sz="1100" u="none" cap="none" strike="noStrike">
-              <a:solidFill>
-                <a:srgbClr val="000000"/>
-              </a:solidFill>
-              <a:latin typeface="Arial"/>
-              <a:ea typeface="Arial"/>
-              <a:cs typeface="Arial"/>
-              <a:sym typeface="Arial"/>
-            </a:endParaRPr>
-          </a:p>
-        </p:txBody>
-      </p:sp>
-      <p:cxnSp>
-        <p:nvCxnSpPr>
-          <p:cNvPr id="77" name="Google Shape;77;p13"/>
-          <p:cNvCxnSpPr>
-            <a:stCxn id="68" idx="1"/>
-            <a:endCxn id="76" idx="6"/>
-          </p:cNvCxnSpPr>
-          <p:nvPr/>
-        </p:nvCxnSpPr>
-        <p:spPr>
-          <a:xfrm flipH="1">
-            <a:off x="7380900" y="4301237"/>
-            <a:ext cx="379200" cy="94500"/>
-          </a:xfrm>
-          <a:prstGeom prst="straightConnector1">
-            <a:avLst/>
-          </a:prstGeom>
-          <a:noFill/>
-          <a:ln cap="flat" cmpd="sng" w="9525">
-            <a:solidFill>
-              <a:srgbClr val="595959"/>
-            </a:solidFill>
-            <a:prstDash val="solid"/>
-            <a:round/>
-            <a:headEnd len="sm" w="sm" type="none"/>
-            <a:tailEnd len="sm" w="sm" type="none"/>
-          </a:ln>
-        </p:spPr>
-      </p:cxnSp>
-      <p:cxnSp>
-        <p:nvCxnSpPr>
-          <p:cNvPr id="78" name="Google Shape;78;p13"/>
-          <p:cNvCxnSpPr>
-            <a:stCxn id="79" idx="2"/>
-            <a:endCxn id="69" idx="2"/>
-          </p:cNvCxnSpPr>
-          <p:nvPr/>
-        </p:nvCxnSpPr>
-        <p:spPr>
-          <a:xfrm rot="10800000">
-            <a:off x="5160825" y="1101700"/>
-            <a:ext cx="314400" cy="380400"/>
-          </a:xfrm>
-          <a:prstGeom prst="straightConnector1">
-            <a:avLst/>
-          </a:prstGeom>
-          <a:noFill/>
-          <a:ln cap="flat" cmpd="sng" w="9525">
-            <a:solidFill>
-              <a:srgbClr val="595959"/>
-            </a:solidFill>
-            <a:prstDash val="dash"/>
-            <a:round/>
-            <a:headEnd len="sm" w="sm" type="none"/>
-            <a:tailEnd len="med" w="med" type="triangle"/>
-          </a:ln>
-        </p:spPr>
-      </p:cxnSp>
-      <p:grpSp>
-        <p:nvGrpSpPr>
-          <p:cNvPr id="80" name="Google Shape;80;p13"/>
-          <p:cNvGrpSpPr/>
-          <p:nvPr/>
-        </p:nvGrpSpPr>
-        <p:grpSpPr>
-          <a:xfrm>
-            <a:off x="298950" y="3548500"/>
-            <a:ext cx="1222500" cy="1067600"/>
-            <a:chOff x="-149375" y="108100"/>
-            <a:chExt cx="1222500" cy="1067600"/>
-          </a:xfrm>
-        </p:grpSpPr>
-        <p:sp>
-          <p:nvSpPr>
-            <p:cNvPr id="81" name="Google Shape;81;p13"/>
-            <p:cNvSpPr txBox="1"/>
-            <p:nvPr/>
-          </p:nvSpPr>
-          <p:spPr>
-            <a:xfrm>
-              <a:off x="-149375" y="837000"/>
-              <a:ext cx="1222500" cy="338700"/>
-            </a:xfrm>
-            <a:prstGeom prst="rect">
-              <a:avLst/>
-            </a:prstGeom>
-            <a:noFill/>
-            <a:ln>
-              <a:noFill/>
-            </a:ln>
-          </p:spPr>
-          <p:txBody>
-            <a:bodyPr anchorCtr="0" anchor="t" bIns="91425" lIns="91425" spcFirstLastPara="1" rIns="91425" wrap="square" tIns="91425">
-              <a:spAutoFit/>
-            </a:bodyPr>
-            <a:lstStyle/>
-            <a:p>
-              <a:pPr indent="0" lvl="0" marL="0" marR="0" rtl="0" algn="ctr">
-                <a:lnSpc>
-                  <a:spcPct val="100000"/>
-                </a:lnSpc>
-                <a:spcBef>
-                  <a:spcPts val="0"/>
-                </a:spcBef>
-                <a:spcAft>
-                  <a:spcPts val="0"/>
-                </a:spcAft>
-                <a:buClr>
-                  <a:srgbClr val="000000"/>
-                </a:buClr>
-                <a:buSzPts val="1000"/>
-                <a:buFont typeface="Arial"/>
-                <a:buNone/>
-              </a:pPr>
-              <a:r>
-                <a:rPr b="0" i="0" lang="en" sz="1000" u="none" cap="none" strike="noStrike">
-                  <a:solidFill>
-                    <a:srgbClr val="000000"/>
-                  </a:solidFill>
-                  <a:latin typeface="Arial"/>
-                  <a:ea typeface="Arial"/>
-                  <a:cs typeface="Arial"/>
-                  <a:sym typeface="Arial"/>
-                </a:rPr>
-                <a:t>Service sport</a:t>
-              </a:r>
-              <a:endParaRPr b="0" i="0" sz="1000" u="none" cap="none" strike="noStrike">
-                <a:solidFill>
-                  <a:srgbClr val="000000"/>
-                </a:solidFill>
-                <a:latin typeface="Arial"/>
-                <a:ea typeface="Arial"/>
-                <a:cs typeface="Arial"/>
-                <a:sym typeface="Arial"/>
-              </a:endParaRPr>
-            </a:p>
-          </p:txBody>
-        </p:sp>
-        <p:pic>
-          <p:nvPicPr>
-            <p:cNvPr id="82" name="Google Shape;82;p13"/>
-            <p:cNvPicPr preferRelativeResize="0"/>
-            <p:nvPr/>
-          </p:nvPicPr>
-          <p:blipFill rotWithShape="1">
-            <a:blip r:embed="rId3">
-              <a:alphaModFix/>
-            </a:blip>
-            <a:srcRect b="0" l="0" r="0" t="0"/>
-            <a:stretch/>
-          </p:blipFill>
-          <p:spPr>
-            <a:xfrm>
-              <a:off x="251025" y="108100"/>
-              <a:ext cx="421700" cy="765475"/>
-            </a:xfrm>
-            <a:prstGeom prst="rect">
-              <a:avLst/>
-            </a:prstGeom>
-            <a:noFill/>
-            <a:ln>
-              <a:noFill/>
-            </a:ln>
-          </p:spPr>
-        </p:pic>
-      </p:grpSp>
-      <p:sp>
-        <p:nvSpPr>
-          <p:cNvPr id="83" name="Google Shape;83;p13"/>
-          <p:cNvSpPr/>
-          <p:nvPr/>
-        </p:nvSpPr>
-        <p:spPr>
-          <a:xfrm>
-            <a:off x="2414838" y="1476538"/>
-            <a:ext cx="1935600" cy="216900"/>
-          </a:xfrm>
-          <a:prstGeom prst="ellipse">
-            <a:avLst/>
-          </a:prstGeom>
-          <a:noFill/>
-          <a:ln cap="flat" cmpd="sng" w="9525">
-            <a:solidFill>
-              <a:srgbClr val="000000"/>
-            </a:solidFill>
-            <a:prstDash val="solid"/>
-            <a:round/>
-            <a:headEnd len="sm" w="sm" type="none"/>
-            <a:tailEnd len="sm" w="sm" type="none"/>
-          </a:ln>
-        </p:spPr>
-        <p:txBody>
-          <a:bodyPr anchorCtr="0" anchor="ctr" bIns="91425" lIns="91425" spcFirstLastPara="1" rIns="91425" wrap="square" tIns="91425">
-            <a:noAutofit/>
-          </a:bodyPr>
-          <a:lstStyle/>
-          <a:p>
-            <a:pPr indent="0" lvl="0" marL="0" marR="0" rtl="0" algn="ctr">
-              <a:lnSpc>
-                <a:spcPct val="100000"/>
-              </a:lnSpc>
-              <a:spcBef>
-                <a:spcPts val="0"/>
-              </a:spcBef>
-              <a:spcAft>
-                <a:spcPts val="0"/>
-              </a:spcAft>
-              <a:buClr>
-                <a:srgbClr val="000000"/>
-              </a:buClr>
-              <a:buSzPts val="1100"/>
-              <a:buFont typeface="Arial"/>
-              <a:buNone/>
-            </a:pPr>
-            <a:r>
-              <a:rPr b="0" i="0" lang="en" sz="1100" u="none" cap="none" strike="noStrike">
-                <a:solidFill>
-                  <a:srgbClr val="000000"/>
-                </a:solidFill>
-                <a:latin typeface="Arial"/>
-                <a:ea typeface="Arial"/>
-                <a:cs typeface="Arial"/>
-                <a:sym typeface="Arial"/>
-              </a:rPr>
-              <a:t>Afficher un dossier</a:t>
-            </a:r>
-            <a:endParaRPr b="0" i="0" sz="1100" u="none" cap="none" strike="noStrike">
-              <a:solidFill>
-                <a:srgbClr val="000000"/>
-              </a:solidFill>
-              <a:latin typeface="Arial"/>
-              <a:ea typeface="Arial"/>
-              <a:cs typeface="Arial"/>
-              <a:sym typeface="Arial"/>
-            </a:endParaRPr>
-          </a:p>
-        </p:txBody>
-      </p:sp>
-      <p:cxnSp>
-        <p:nvCxnSpPr>
-          <p:cNvPr id="84" name="Google Shape;84;p13"/>
-          <p:cNvCxnSpPr>
-            <a:stCxn id="83" idx="6"/>
-            <a:endCxn id="69" idx="3"/>
-          </p:cNvCxnSpPr>
-          <p:nvPr/>
-        </p:nvCxnSpPr>
-        <p:spPr>
-          <a:xfrm flipH="1" rot="10800000">
-            <a:off x="4350438" y="1195888"/>
-            <a:ext cx="1201800" cy="389100"/>
-          </a:xfrm>
-          <a:prstGeom prst="straightConnector1">
-            <a:avLst/>
-          </a:prstGeom>
-          <a:noFill/>
-          <a:ln cap="flat" cmpd="sng" w="9525">
-            <a:solidFill>
-              <a:srgbClr val="595959"/>
-            </a:solidFill>
-            <a:prstDash val="dash"/>
-            <a:round/>
-            <a:headEnd len="sm" w="sm" type="none"/>
-            <a:tailEnd len="med" w="med" type="triangle"/>
-          </a:ln>
-        </p:spPr>
-      </p:cxnSp>
-      <p:sp>
-        <p:nvSpPr>
-          <p:cNvPr id="85" name="Google Shape;85;p13"/>
-          <p:cNvSpPr/>
-          <p:nvPr/>
-        </p:nvSpPr>
-        <p:spPr>
-          <a:xfrm>
-            <a:off x="1790788" y="1061675"/>
-            <a:ext cx="3483900" cy="169500"/>
-          </a:xfrm>
-          <a:prstGeom prst="ellipse">
-            <a:avLst/>
-          </a:prstGeom>
-          <a:noFill/>
-          <a:ln cap="flat" cmpd="sng" w="9525">
-            <a:solidFill>
-              <a:srgbClr val="000000"/>
-            </a:solidFill>
-            <a:prstDash val="solid"/>
-            <a:round/>
-            <a:headEnd len="sm" w="sm" type="none"/>
-            <a:tailEnd len="sm" w="sm" type="none"/>
-          </a:ln>
-        </p:spPr>
-        <p:txBody>
-          <a:bodyPr anchorCtr="0" anchor="ctr" bIns="91425" lIns="91425" spcFirstLastPara="1" rIns="91425" wrap="square" tIns="91425">
-            <a:noAutofit/>
-          </a:bodyPr>
-          <a:lstStyle/>
-          <a:p>
-            <a:pPr indent="0" lvl="0" marL="0" marR="0" rtl="0" algn="l">
-              <a:lnSpc>
-                <a:spcPct val="100000"/>
-              </a:lnSpc>
-              <a:spcBef>
-                <a:spcPts val="0"/>
-              </a:spcBef>
-              <a:spcAft>
-                <a:spcPts val="0"/>
-              </a:spcAft>
-              <a:buClr>
-                <a:srgbClr val="000000"/>
-              </a:buClr>
-              <a:buSzPts val="1100"/>
-              <a:buFont typeface="Arial"/>
-              <a:buNone/>
-            </a:pPr>
-            <a:r>
-              <a:rPr b="0" i="0" lang="en" sz="1100" u="none" cap="none" strike="noStrike">
-                <a:solidFill>
-                  <a:srgbClr val="000000"/>
-                </a:solidFill>
-                <a:latin typeface="Arial"/>
-                <a:ea typeface="Arial"/>
-                <a:cs typeface="Arial"/>
-                <a:sym typeface="Arial"/>
-              </a:rPr>
-              <a:t>Gestion des séances de traitement</a:t>
-            </a:r>
-            <a:endParaRPr b="0" i="0" sz="1100" u="none" cap="none" strike="noStrike">
+            <a:endParaRPr b="0" i="0" sz="1600" u="none" cap="none" strike="noStrike">
               <a:solidFill>
                 <a:srgbClr val="000000"/>
               </a:solidFill>
@@ -6800,710 +5800,22 @@
       </p:sp>
       <p:sp>
         <p:nvSpPr>
-          <p:cNvPr id="86" name="Google Shape;86;p13"/>
+          <p:cNvPr id="62" name="Google Shape;62;p13">
+            <a:hlinkClick r:id="rId5"/>
+          </p:cNvPr>
           <p:cNvSpPr/>
           <p:nvPr/>
         </p:nvSpPr>
         <p:spPr>
           <a:xfrm>
-            <a:off x="1914925" y="646825"/>
-            <a:ext cx="2938200" cy="169500"/>
-          </a:xfrm>
-          <a:prstGeom prst="ellipse">
-            <a:avLst/>
-          </a:prstGeom>
-          <a:noFill/>
-          <a:ln cap="flat" cmpd="sng" w="9525">
-            <a:solidFill>
-              <a:srgbClr val="000000"/>
-            </a:solidFill>
-            <a:prstDash val="solid"/>
-            <a:round/>
-            <a:headEnd len="sm" w="sm" type="none"/>
-            <a:tailEnd len="sm" w="sm" type="none"/>
-          </a:ln>
-        </p:spPr>
-        <p:txBody>
-          <a:bodyPr anchorCtr="0" anchor="ctr" bIns="91425" lIns="91425" spcFirstLastPara="1" rIns="91425" wrap="square" tIns="91425">
-            <a:noAutofit/>
-          </a:bodyPr>
-          <a:lstStyle/>
-          <a:p>
-            <a:pPr indent="0" lvl="0" marL="0" marR="0" rtl="0" algn="ctr">
-              <a:lnSpc>
-                <a:spcPct val="100000"/>
-              </a:lnSpc>
-              <a:spcBef>
-                <a:spcPts val="0"/>
-              </a:spcBef>
-              <a:spcAft>
-                <a:spcPts val="0"/>
-              </a:spcAft>
-              <a:buClr>
-                <a:srgbClr val="000000"/>
-              </a:buClr>
-              <a:buSzPts val="1100"/>
-              <a:buFont typeface="Arial"/>
-              <a:buNone/>
-            </a:pPr>
-            <a:r>
-              <a:rPr b="0" i="0" lang="en" sz="1100" u="none" cap="none" strike="noStrike">
-                <a:solidFill>
-                  <a:srgbClr val="000000"/>
-                </a:solidFill>
-                <a:latin typeface="Arial"/>
-                <a:ea typeface="Arial"/>
-                <a:cs typeface="Arial"/>
-                <a:sym typeface="Arial"/>
-              </a:rPr>
-              <a:t>Gestion des consultations</a:t>
-            </a:r>
-            <a:endParaRPr b="0" i="0" sz="1100" u="none" cap="none" strike="noStrike">
-              <a:solidFill>
-                <a:srgbClr val="000000"/>
-              </a:solidFill>
-              <a:latin typeface="Arial"/>
-              <a:ea typeface="Arial"/>
-              <a:cs typeface="Arial"/>
-              <a:sym typeface="Arial"/>
-            </a:endParaRPr>
-          </a:p>
-        </p:txBody>
-      </p:sp>
-      <p:sp>
-        <p:nvSpPr>
-          <p:cNvPr id="87" name="Google Shape;87;p13"/>
-          <p:cNvSpPr/>
-          <p:nvPr/>
-        </p:nvSpPr>
-        <p:spPr>
-          <a:xfrm>
-            <a:off x="2255700" y="2153688"/>
-            <a:ext cx="2143800" cy="169500"/>
-          </a:xfrm>
-          <a:prstGeom prst="ellipse">
-            <a:avLst/>
-          </a:prstGeom>
-          <a:noFill/>
-          <a:ln cap="flat" cmpd="sng" w="9525">
-            <a:solidFill>
-              <a:srgbClr val="000000"/>
-            </a:solidFill>
-            <a:prstDash val="solid"/>
-            <a:round/>
-            <a:headEnd len="sm" w="sm" type="none"/>
-            <a:tailEnd len="sm" w="sm" type="none"/>
-          </a:ln>
-        </p:spPr>
-        <p:txBody>
-          <a:bodyPr anchorCtr="0" anchor="ctr" bIns="91425" lIns="91425" spcFirstLastPara="1" rIns="91425" wrap="square" tIns="91425">
-            <a:noAutofit/>
-          </a:bodyPr>
-          <a:lstStyle/>
-          <a:p>
-            <a:pPr indent="0" lvl="0" marL="0" marR="0" rtl="0" algn="l">
-              <a:lnSpc>
-                <a:spcPct val="100000"/>
-              </a:lnSpc>
-              <a:spcBef>
-                <a:spcPts val="0"/>
-              </a:spcBef>
-              <a:spcAft>
-                <a:spcPts val="0"/>
-              </a:spcAft>
-              <a:buClr>
-                <a:srgbClr val="000000"/>
-              </a:buClr>
-              <a:buSzPts val="1100"/>
-              <a:buFont typeface="Arial"/>
-              <a:buNone/>
-            </a:pPr>
-            <a:r>
-              <a:rPr b="0" i="0" lang="en" sz="1100" u="none" cap="none" strike="noStrike">
-                <a:solidFill>
-                  <a:srgbClr val="000000"/>
-                </a:solidFill>
-                <a:latin typeface="Arial"/>
-                <a:ea typeface="Arial"/>
-                <a:cs typeface="Arial"/>
-                <a:sym typeface="Arial"/>
-              </a:rPr>
-              <a:t>Orientation médical</a:t>
-            </a:r>
-            <a:endParaRPr b="0" i="0" sz="1100" u="none" cap="none" strike="noStrike">
-              <a:solidFill>
-                <a:srgbClr val="000000"/>
-              </a:solidFill>
-              <a:latin typeface="Arial"/>
-              <a:ea typeface="Arial"/>
-              <a:cs typeface="Arial"/>
-              <a:sym typeface="Arial"/>
-            </a:endParaRPr>
-          </a:p>
-        </p:txBody>
-      </p:sp>
-      <p:grpSp>
-        <p:nvGrpSpPr>
-          <p:cNvPr id="88" name="Google Shape;88;p13"/>
-          <p:cNvGrpSpPr/>
-          <p:nvPr/>
-        </p:nvGrpSpPr>
-        <p:grpSpPr>
-          <a:xfrm>
-            <a:off x="1618675" y="3472300"/>
-            <a:ext cx="1222500" cy="1067600"/>
-            <a:chOff x="-149375" y="108100"/>
-            <a:chExt cx="1222500" cy="1067600"/>
-          </a:xfrm>
-        </p:grpSpPr>
-        <p:sp>
-          <p:nvSpPr>
-            <p:cNvPr id="89" name="Google Shape;89;p13"/>
-            <p:cNvSpPr txBox="1"/>
-            <p:nvPr/>
-          </p:nvSpPr>
-          <p:spPr>
-            <a:xfrm>
-              <a:off x="-149375" y="837000"/>
-              <a:ext cx="1222500" cy="338700"/>
-            </a:xfrm>
-            <a:prstGeom prst="rect">
-              <a:avLst/>
-            </a:prstGeom>
-            <a:noFill/>
-            <a:ln>
-              <a:noFill/>
-            </a:ln>
-          </p:spPr>
-          <p:txBody>
-            <a:bodyPr anchorCtr="0" anchor="t" bIns="91425" lIns="91425" spcFirstLastPara="1" rIns="91425" wrap="square" tIns="91425">
-              <a:spAutoFit/>
-            </a:bodyPr>
-            <a:lstStyle/>
-            <a:p>
-              <a:pPr indent="0" lvl="0" marL="0" marR="0" rtl="0" algn="ctr">
-                <a:lnSpc>
-                  <a:spcPct val="100000"/>
-                </a:lnSpc>
-                <a:spcBef>
-                  <a:spcPts val="0"/>
-                </a:spcBef>
-                <a:spcAft>
-                  <a:spcPts val="0"/>
-                </a:spcAft>
-                <a:buClr>
-                  <a:srgbClr val="000000"/>
-                </a:buClr>
-                <a:buSzPts val="1000"/>
-                <a:buFont typeface="Arial"/>
-                <a:buNone/>
-              </a:pPr>
-              <a:r>
-                <a:rPr b="0" i="0" lang="en" sz="1000" u="none" cap="none" strike="noStrike">
-                  <a:solidFill>
-                    <a:srgbClr val="000000"/>
-                  </a:solidFill>
-                  <a:latin typeface="Arial"/>
-                  <a:ea typeface="Arial"/>
-                  <a:cs typeface="Arial"/>
-                  <a:sym typeface="Arial"/>
-                </a:rPr>
-                <a:t>Service éducation</a:t>
-              </a:r>
-              <a:endParaRPr b="0" i="0" sz="1000" u="none" cap="none" strike="noStrike">
-                <a:solidFill>
-                  <a:srgbClr val="000000"/>
-                </a:solidFill>
-                <a:latin typeface="Arial"/>
-                <a:ea typeface="Arial"/>
-                <a:cs typeface="Arial"/>
-                <a:sym typeface="Arial"/>
-              </a:endParaRPr>
-            </a:p>
-          </p:txBody>
-        </p:sp>
-        <p:pic>
-          <p:nvPicPr>
-            <p:cNvPr id="90" name="Google Shape;90;p13"/>
-            <p:cNvPicPr preferRelativeResize="0"/>
-            <p:nvPr/>
-          </p:nvPicPr>
-          <p:blipFill rotWithShape="1">
-            <a:blip r:embed="rId3">
-              <a:alphaModFix/>
-            </a:blip>
-            <a:srcRect b="0" l="0" r="0" t="0"/>
-            <a:stretch/>
-          </p:blipFill>
-          <p:spPr>
-            <a:xfrm>
-              <a:off x="251025" y="108100"/>
-              <a:ext cx="421700" cy="765475"/>
-            </a:xfrm>
-            <a:prstGeom prst="rect">
-              <a:avLst/>
-            </a:prstGeom>
-            <a:noFill/>
-            <a:ln>
-              <a:noFill/>
-            </a:ln>
-          </p:spPr>
-        </p:pic>
-      </p:grpSp>
-      <p:grpSp>
-        <p:nvGrpSpPr>
-          <p:cNvPr id="91" name="Google Shape;91;p13"/>
-          <p:cNvGrpSpPr/>
-          <p:nvPr/>
-        </p:nvGrpSpPr>
-        <p:grpSpPr>
-          <a:xfrm>
-            <a:off x="3169750" y="3288600"/>
-            <a:ext cx="1222500" cy="1221500"/>
-            <a:chOff x="-149375" y="108100"/>
-            <a:chExt cx="1222500" cy="1221500"/>
-          </a:xfrm>
-        </p:grpSpPr>
-        <p:sp>
-          <p:nvSpPr>
-            <p:cNvPr id="92" name="Google Shape;92;p13"/>
-            <p:cNvSpPr txBox="1"/>
-            <p:nvPr/>
-          </p:nvSpPr>
-          <p:spPr>
-            <a:xfrm>
-              <a:off x="-149375" y="837000"/>
-              <a:ext cx="1222500" cy="492600"/>
-            </a:xfrm>
-            <a:prstGeom prst="rect">
-              <a:avLst/>
-            </a:prstGeom>
-            <a:noFill/>
-            <a:ln>
-              <a:noFill/>
-            </a:ln>
-          </p:spPr>
-          <p:txBody>
-            <a:bodyPr anchorCtr="0" anchor="t" bIns="91425" lIns="91425" spcFirstLastPara="1" rIns="91425" wrap="square" tIns="91425">
-              <a:spAutoFit/>
-            </a:bodyPr>
-            <a:lstStyle/>
-            <a:p>
-              <a:pPr indent="0" lvl="0" marL="0" marR="0" rtl="0" algn="ctr">
-                <a:lnSpc>
-                  <a:spcPct val="100000"/>
-                </a:lnSpc>
-                <a:spcBef>
-                  <a:spcPts val="0"/>
-                </a:spcBef>
-                <a:spcAft>
-                  <a:spcPts val="0"/>
-                </a:spcAft>
-                <a:buClr>
-                  <a:srgbClr val="000000"/>
-                </a:buClr>
-                <a:buSzPts val="1000"/>
-                <a:buFont typeface="Arial"/>
-                <a:buNone/>
-              </a:pPr>
-              <a:r>
-                <a:rPr b="0" i="0" lang="en" sz="1000" u="none" cap="none" strike="noStrike">
-                  <a:solidFill>
-                    <a:srgbClr val="000000"/>
-                  </a:solidFill>
-                  <a:latin typeface="Arial"/>
-                  <a:ea typeface="Arial"/>
-                  <a:cs typeface="Arial"/>
-                  <a:sym typeface="Arial"/>
-                </a:rPr>
-                <a:t>Service formation professionnel</a:t>
-              </a:r>
-              <a:endParaRPr b="0" i="0" sz="1000" u="none" cap="none" strike="noStrike">
-                <a:solidFill>
-                  <a:srgbClr val="000000"/>
-                </a:solidFill>
-                <a:latin typeface="Arial"/>
-                <a:ea typeface="Arial"/>
-                <a:cs typeface="Arial"/>
-                <a:sym typeface="Arial"/>
-              </a:endParaRPr>
-            </a:p>
-          </p:txBody>
-        </p:sp>
-        <p:pic>
-          <p:nvPicPr>
-            <p:cNvPr id="93" name="Google Shape;93;p13"/>
-            <p:cNvPicPr preferRelativeResize="0"/>
-            <p:nvPr/>
-          </p:nvPicPr>
-          <p:blipFill rotWithShape="1">
-            <a:blip r:embed="rId3">
-              <a:alphaModFix/>
-            </a:blip>
-            <a:srcRect b="0" l="0" r="0" t="0"/>
-            <a:stretch/>
-          </p:blipFill>
-          <p:spPr>
-            <a:xfrm>
-              <a:off x="251025" y="108100"/>
-              <a:ext cx="421700" cy="765475"/>
-            </a:xfrm>
-            <a:prstGeom prst="rect">
-              <a:avLst/>
-            </a:prstGeom>
-            <a:noFill/>
-            <a:ln>
-              <a:noFill/>
-            </a:ln>
-          </p:spPr>
-        </p:pic>
-      </p:grpSp>
-      <p:cxnSp>
-        <p:nvCxnSpPr>
-          <p:cNvPr id="94" name="Google Shape;94;p13"/>
-          <p:cNvCxnSpPr>
-            <a:stCxn id="59" idx="1"/>
-            <a:endCxn id="75" idx="1"/>
-          </p:cNvCxnSpPr>
-          <p:nvPr/>
-        </p:nvCxnSpPr>
-        <p:spPr>
-          <a:xfrm rot="10800000">
-            <a:off x="580650" y="698537"/>
-            <a:ext cx="138900" cy="1051800"/>
-          </a:xfrm>
-          <a:prstGeom prst="bentConnector3">
-            <a:avLst>
-              <a:gd fmla="val 271364" name="adj1"/>
-            </a:avLst>
-          </a:prstGeom>
-          <a:noFill/>
-          <a:ln cap="flat" cmpd="sng" w="9525">
-            <a:solidFill>
-              <a:srgbClr val="595959"/>
-            </a:solidFill>
-            <a:prstDash val="solid"/>
-            <a:round/>
-            <a:headEnd len="sm" w="sm" type="none"/>
-            <a:tailEnd len="sm" w="sm" type="none"/>
-          </a:ln>
-        </p:spPr>
-      </p:cxnSp>
-      <p:cxnSp>
-        <p:nvCxnSpPr>
-          <p:cNvPr id="95" name="Google Shape;95;p13"/>
-          <p:cNvCxnSpPr>
-            <a:stCxn id="65" idx="1"/>
-            <a:endCxn id="75" idx="1"/>
-          </p:cNvCxnSpPr>
-          <p:nvPr/>
-        </p:nvCxnSpPr>
-        <p:spPr>
-          <a:xfrm rot="10800000">
-            <a:off x="580650" y="698362"/>
-            <a:ext cx="166200" cy="2118000"/>
-          </a:xfrm>
-          <a:prstGeom prst="bentConnector3">
-            <a:avLst>
-              <a:gd fmla="val 243216" name="adj1"/>
-            </a:avLst>
-          </a:prstGeom>
-          <a:noFill/>
-          <a:ln cap="flat" cmpd="sng" w="9525">
-            <a:solidFill>
-              <a:srgbClr val="595959"/>
-            </a:solidFill>
-            <a:prstDash val="solid"/>
-            <a:round/>
-            <a:headEnd len="sm" w="sm" type="none"/>
-            <a:tailEnd len="sm" w="sm" type="none"/>
-          </a:ln>
-        </p:spPr>
-      </p:cxnSp>
-      <p:cxnSp>
-        <p:nvCxnSpPr>
-          <p:cNvPr id="96" name="Google Shape;96;p13"/>
-          <p:cNvCxnSpPr>
-            <a:stCxn id="82" idx="1"/>
-            <a:endCxn id="75" idx="1"/>
-          </p:cNvCxnSpPr>
-          <p:nvPr/>
-        </p:nvCxnSpPr>
-        <p:spPr>
-          <a:xfrm rot="10800000">
-            <a:off x="580850" y="698437"/>
-            <a:ext cx="118500" cy="3232800"/>
-          </a:xfrm>
-          <a:prstGeom prst="bentConnector3">
-            <a:avLst>
-              <a:gd fmla="val 301034" name="adj1"/>
-            </a:avLst>
-          </a:prstGeom>
-          <a:noFill/>
-          <a:ln cap="flat" cmpd="sng" w="9525">
-            <a:solidFill>
-              <a:srgbClr val="595959"/>
-            </a:solidFill>
-            <a:prstDash val="solid"/>
-            <a:round/>
-            <a:headEnd len="sm" w="sm" type="none"/>
-            <a:tailEnd len="sm" w="sm" type="none"/>
-          </a:ln>
-        </p:spPr>
-      </p:cxnSp>
-      <p:cxnSp>
-        <p:nvCxnSpPr>
-          <p:cNvPr id="97" name="Google Shape;97;p13"/>
-          <p:cNvCxnSpPr>
-            <a:stCxn id="89" idx="2"/>
-            <a:endCxn id="75" idx="1"/>
-          </p:cNvCxnSpPr>
-          <p:nvPr/>
-        </p:nvCxnSpPr>
-        <p:spPr>
-          <a:xfrm flipH="1" rot="5400000">
-            <a:off x="-515375" y="1794600"/>
-            <a:ext cx="3841500" cy="1649100"/>
-          </a:xfrm>
-          <a:prstGeom prst="bentConnector4">
-            <a:avLst>
-              <a:gd fmla="val -6199" name="adj1"/>
-              <a:gd fmla="val 114444" name="adj2"/>
-            </a:avLst>
-          </a:prstGeom>
-          <a:noFill/>
-          <a:ln cap="flat" cmpd="sng" w="9525">
-            <a:solidFill>
-              <a:srgbClr val="595959"/>
-            </a:solidFill>
-            <a:prstDash val="solid"/>
-            <a:round/>
-            <a:headEnd len="sm" w="sm" type="none"/>
-            <a:tailEnd len="sm" w="sm" type="none"/>
-          </a:ln>
-        </p:spPr>
-      </p:cxnSp>
-      <p:cxnSp>
-        <p:nvCxnSpPr>
-          <p:cNvPr id="98" name="Google Shape;98;p13"/>
-          <p:cNvCxnSpPr>
-            <a:endCxn id="75" idx="1"/>
-          </p:cNvCxnSpPr>
-          <p:nvPr/>
-        </p:nvCxnSpPr>
-        <p:spPr>
-          <a:xfrm flipH="1" rot="5400000">
-            <a:off x="518050" y="761212"/>
-            <a:ext cx="3643200" cy="3517800"/>
-          </a:xfrm>
-          <a:prstGeom prst="bentConnector4">
-            <a:avLst>
-              <a:gd fmla="val 44747" name="adj1"/>
-              <a:gd fmla="val 106769" name="adj2"/>
-            </a:avLst>
-          </a:prstGeom>
-          <a:noFill/>
-          <a:ln cap="flat" cmpd="sng" w="9525">
-            <a:solidFill>
-              <a:srgbClr val="595959"/>
-            </a:solidFill>
-            <a:prstDash val="solid"/>
-            <a:round/>
-            <a:headEnd len="sm" w="sm" type="none"/>
-            <a:tailEnd len="med" w="med" type="stealth"/>
-          </a:ln>
-        </p:spPr>
-      </p:cxnSp>
-      <p:cxnSp>
-        <p:nvCxnSpPr>
-          <p:cNvPr id="99" name="Google Shape;99;p13"/>
-          <p:cNvCxnSpPr>
-            <a:stCxn id="75" idx="3"/>
-            <a:endCxn id="85" idx="2"/>
-          </p:cNvCxnSpPr>
-          <p:nvPr/>
-        </p:nvCxnSpPr>
-        <p:spPr>
-          <a:xfrm>
-            <a:off x="1002450" y="698512"/>
-            <a:ext cx="788400" cy="447900"/>
-          </a:xfrm>
-          <a:prstGeom prst="straightConnector1">
-            <a:avLst/>
-          </a:prstGeom>
-          <a:noFill/>
-          <a:ln cap="flat" cmpd="sng" w="9525">
-            <a:solidFill>
-              <a:srgbClr val="595959"/>
-            </a:solidFill>
-            <a:prstDash val="solid"/>
-            <a:round/>
-            <a:headEnd len="sm" w="sm" type="none"/>
-            <a:tailEnd len="sm" w="sm" type="none"/>
-          </a:ln>
-        </p:spPr>
-      </p:cxnSp>
-      <p:cxnSp>
-        <p:nvCxnSpPr>
-          <p:cNvPr id="100" name="Google Shape;100;p13"/>
-          <p:cNvCxnSpPr>
-            <a:stCxn id="75" idx="3"/>
-            <a:endCxn id="86" idx="2"/>
-          </p:cNvCxnSpPr>
-          <p:nvPr/>
-        </p:nvCxnSpPr>
-        <p:spPr>
-          <a:xfrm>
-            <a:off x="1002450" y="698512"/>
-            <a:ext cx="912600" cy="33000"/>
-          </a:xfrm>
-          <a:prstGeom prst="straightConnector1">
-            <a:avLst/>
-          </a:prstGeom>
-          <a:noFill/>
-          <a:ln cap="flat" cmpd="sng" w="9525">
-            <a:solidFill>
-              <a:srgbClr val="595959"/>
-            </a:solidFill>
-            <a:prstDash val="solid"/>
-            <a:round/>
-            <a:headEnd len="sm" w="sm" type="none"/>
-            <a:tailEnd len="sm" w="sm" type="none"/>
-          </a:ln>
-        </p:spPr>
-      </p:cxnSp>
-      <p:cxnSp>
-        <p:nvCxnSpPr>
-          <p:cNvPr id="101" name="Google Shape;101;p13"/>
-          <p:cNvCxnSpPr>
-            <a:stCxn id="56" idx="1"/>
-            <a:endCxn id="69" idx="6"/>
-          </p:cNvCxnSpPr>
-          <p:nvPr/>
-        </p:nvCxnSpPr>
-        <p:spPr>
-          <a:xfrm flipH="1">
-            <a:off x="7832950" y="540137"/>
-            <a:ext cx="194100" cy="561600"/>
-          </a:xfrm>
-          <a:prstGeom prst="straightConnector1">
-            <a:avLst/>
-          </a:prstGeom>
-          <a:noFill/>
-          <a:ln cap="flat" cmpd="sng" w="9525">
-            <a:solidFill>
-              <a:srgbClr val="595959"/>
-            </a:solidFill>
-            <a:prstDash val="solid"/>
-            <a:round/>
-            <a:headEnd len="sm" w="sm" type="none"/>
-            <a:tailEnd len="sm" w="sm" type="none"/>
-          </a:ln>
-        </p:spPr>
-      </p:cxnSp>
-      <p:cxnSp>
-        <p:nvCxnSpPr>
-          <p:cNvPr id="102" name="Google Shape;102;p13"/>
-          <p:cNvCxnSpPr>
-            <a:stCxn id="59" idx="3"/>
-            <a:endCxn id="87" idx="2"/>
-          </p:cNvCxnSpPr>
-          <p:nvPr/>
-        </p:nvCxnSpPr>
-        <p:spPr>
-          <a:xfrm>
-            <a:off x="1141250" y="1750337"/>
-            <a:ext cx="1114500" cy="488100"/>
-          </a:xfrm>
-          <a:prstGeom prst="straightConnector1">
-            <a:avLst/>
-          </a:prstGeom>
-          <a:noFill/>
-          <a:ln cap="flat" cmpd="sng" w="9525">
-            <a:solidFill>
-              <a:srgbClr val="595959"/>
-            </a:solidFill>
-            <a:prstDash val="solid"/>
-            <a:round/>
-            <a:headEnd len="sm" w="sm" type="none"/>
-            <a:tailEnd len="sm" w="sm" type="none"/>
-          </a:ln>
-        </p:spPr>
-      </p:cxnSp>
-      <p:cxnSp>
-        <p:nvCxnSpPr>
-          <p:cNvPr id="103" name="Google Shape;103;p13"/>
-          <p:cNvCxnSpPr>
-            <a:stCxn id="75" idx="3"/>
-            <a:endCxn id="70" idx="2"/>
-          </p:cNvCxnSpPr>
-          <p:nvPr/>
-        </p:nvCxnSpPr>
-        <p:spPr>
-          <a:xfrm flipH="1" rot="10800000">
-            <a:off x="1002450" y="404812"/>
-            <a:ext cx="798900" cy="293700"/>
-          </a:xfrm>
-          <a:prstGeom prst="straightConnector1">
-            <a:avLst/>
-          </a:prstGeom>
-          <a:noFill/>
-          <a:ln cap="flat" cmpd="sng" w="9525">
-            <a:solidFill>
-              <a:srgbClr val="595959"/>
-            </a:solidFill>
-            <a:prstDash val="solid"/>
-            <a:round/>
-            <a:headEnd len="sm" w="sm" type="none"/>
-            <a:tailEnd len="sm" w="sm" type="none"/>
-          </a:ln>
-        </p:spPr>
-      </p:cxnSp>
-      <p:cxnSp>
-        <p:nvCxnSpPr>
-          <p:cNvPr id="104" name="Google Shape;104;p13"/>
-          <p:cNvCxnSpPr>
-            <a:stCxn id="75" idx="3"/>
-            <a:endCxn id="83" idx="2"/>
-          </p:cNvCxnSpPr>
-          <p:nvPr/>
-        </p:nvCxnSpPr>
-        <p:spPr>
-          <a:xfrm>
-            <a:off x="1002450" y="698512"/>
-            <a:ext cx="1412400" cy="886500"/>
-          </a:xfrm>
-          <a:prstGeom prst="straightConnector1">
-            <a:avLst/>
-          </a:prstGeom>
-          <a:noFill/>
-          <a:ln cap="flat" cmpd="sng" w="9525">
-            <a:solidFill>
-              <a:srgbClr val="595959"/>
-            </a:solidFill>
-            <a:prstDash val="solid"/>
-            <a:round/>
-            <a:headEnd len="sm" w="sm" type="none"/>
-            <a:tailEnd len="sm" w="sm" type="none"/>
-          </a:ln>
-        </p:spPr>
-      </p:cxnSp>
-      <p:sp>
-        <p:nvSpPr>
-          <p:cNvPr id="105" name="Google Shape;105;p13"/>
-          <p:cNvSpPr/>
-          <p:nvPr/>
-        </p:nvSpPr>
-        <p:spPr>
-          <a:xfrm>
-            <a:off x="5274700" y="1832775"/>
-            <a:ext cx="3368700" cy="184800"/>
+            <a:off x="4989900" y="3482600"/>
+            <a:ext cx="2863800" cy="590400"/>
           </a:xfrm>
           <a:prstGeom prst="ellipse">
             <a:avLst/>
           </a:prstGeom>
           <a:solidFill>
-            <a:srgbClr val="CFE2F3"/>
+            <a:schemeClr val="lt1"/>
           </a:solidFill>
           <a:ln cap="flat" cmpd="sng" w="9525">
             <a:solidFill>
@@ -7539,83 +5851,7 @@
               <a:buNone/>
             </a:pPr>
             <a:r>
-              <a:rPr b="0" i="0" lang="en" sz="1100" u="none" cap="none" strike="noStrike">
-                <a:solidFill>
-                  <a:srgbClr val="000000"/>
-                </a:solidFill>
-                <a:latin typeface="Arial"/>
-                <a:ea typeface="Arial"/>
-                <a:cs typeface="Arial"/>
-                <a:sym typeface="Arial"/>
-              </a:rPr>
-              <a:t>Gestion des orientations externes</a:t>
-            </a:r>
-            <a:endParaRPr b="0" i="0" sz="1100" u="none" cap="none" strike="noStrike">
-              <a:solidFill>
-                <a:srgbClr val="000000"/>
-              </a:solidFill>
-              <a:latin typeface="Arial"/>
-              <a:ea typeface="Arial"/>
-              <a:cs typeface="Arial"/>
-              <a:sym typeface="Arial"/>
-            </a:endParaRPr>
-          </a:p>
-        </p:txBody>
-      </p:sp>
-      <p:sp>
-        <p:nvSpPr>
-          <p:cNvPr id="106" name="Google Shape;106;p13">
-            <a:hlinkClick r:id="rId6"/>
-          </p:cNvPr>
-          <p:cNvSpPr/>
-          <p:nvPr/>
-        </p:nvSpPr>
-        <p:spPr>
-          <a:xfrm>
-            <a:off x="5217400" y="2112945"/>
-            <a:ext cx="2863800" cy="166500"/>
-          </a:xfrm>
-          <a:prstGeom prst="ellipse">
-            <a:avLst/>
-          </a:prstGeom>
-          <a:solidFill>
-            <a:srgbClr val="CFE2F3"/>
-          </a:solidFill>
-          <a:ln cap="flat" cmpd="sng" w="9525">
-            <a:solidFill>
-              <a:srgbClr val="000000"/>
-            </a:solidFill>
-            <a:prstDash val="solid"/>
-            <a:round/>
-            <a:headEnd len="sm" w="sm" type="none"/>
-            <a:tailEnd len="sm" w="sm" type="none"/>
-          </a:ln>
-        </p:spPr>
-        <p:txBody>
-          <a:bodyPr anchorCtr="0" anchor="ctr" bIns="91425" lIns="91425" spcFirstLastPara="1" rIns="91425" wrap="square" tIns="91425">
-            <a:noAutofit/>
-          </a:bodyPr>
-          <a:lstStyle/>
-          <a:p>
-            <a:pPr indent="0" lvl="0" marL="0" marR="0" rtl="0" algn="l">
-              <a:lnSpc>
-                <a:spcPct val="100000"/>
-              </a:lnSpc>
-              <a:spcBef>
-                <a:spcPts val="0"/>
-              </a:spcBef>
-              <a:spcAft>
-                <a:spcPts val="0"/>
-              </a:spcAft>
-              <a:buClr>
-                <a:srgbClr val="000000"/>
-              </a:buClr>
-              <a:buSzPts val="1100"/>
-              <a:buFont typeface="Arial"/>
-              <a:buNone/>
-            </a:pPr>
-            <a:r>
-              <a:rPr b="0" i="0" lang="en" sz="1100" u="none" cap="none" strike="noStrike">
+              <a:rPr b="0" i="0" lang="en" sz="1600" u="none" cap="none" strike="noStrike">
                 <a:solidFill>
                   <a:srgbClr val="000000"/>
                 </a:solidFill>
@@ -7626,7 +5862,7 @@
               </a:rPr>
               <a:t>Gestion des réclamations</a:t>
             </a:r>
-            <a:endParaRPr b="0" i="0" sz="1100" u="none" cap="none" strike="noStrike">
+            <a:endParaRPr b="0" i="0" sz="1600" u="none" cap="none" strike="noStrike">
               <a:solidFill>
                 <a:srgbClr val="000000"/>
               </a:solidFill>
@@ -7640,17 +5876,17 @@
       </p:sp>
       <p:cxnSp>
         <p:nvCxnSpPr>
-          <p:cNvPr id="107" name="Google Shape;107;p13"/>
+          <p:cNvPr id="63" name="Google Shape;63;p13"/>
           <p:cNvCxnSpPr>
-            <a:stCxn id="56" idx="1"/>
-            <a:endCxn id="108" idx="6"/>
+            <a:stCxn id="56" idx="3"/>
+            <a:endCxn id="64" idx="2"/>
           </p:cNvCxnSpPr>
           <p:nvPr/>
         </p:nvCxnSpPr>
         <p:spPr>
-          <a:xfrm rot="10800000">
-            <a:off x="7825750" y="448937"/>
-            <a:ext cx="201300" cy="91200"/>
+          <a:xfrm flipH="1" rot="10800000">
+            <a:off x="1344188" y="933458"/>
+            <a:ext cx="1660500" cy="646200"/>
           </a:xfrm>
           <a:prstGeom prst="straightConnector1">
             <a:avLst/>
@@ -7669,17 +5905,17 @@
       </p:cxnSp>
       <p:cxnSp>
         <p:nvCxnSpPr>
-          <p:cNvPr id="109" name="Google Shape;109;p13"/>
+          <p:cNvPr id="65" name="Google Shape;65;p13"/>
           <p:cNvCxnSpPr>
-            <a:stCxn id="105" idx="2"/>
-            <a:endCxn id="69" idx="2"/>
+            <a:stCxn id="61" idx="0"/>
+            <a:endCxn id="57" idx="4"/>
           </p:cNvCxnSpPr>
           <p:nvPr/>
         </p:nvCxnSpPr>
         <p:spPr>
           <a:xfrm rot="10800000">
-            <a:off x="5160700" y="1101675"/>
-            <a:ext cx="114000" cy="823500"/>
+            <a:off x="4920300" y="2126400"/>
+            <a:ext cx="0" cy="267600"/>
           </a:xfrm>
           <a:prstGeom prst="straightConnector1">
             <a:avLst/>
@@ -7698,17 +5934,17 @@
       </p:cxnSp>
       <p:cxnSp>
         <p:nvCxnSpPr>
-          <p:cNvPr id="110" name="Google Shape;110;p13"/>
+          <p:cNvPr id="66" name="Google Shape;66;p13"/>
           <p:cNvCxnSpPr>
-            <a:stCxn id="106" idx="2"/>
-            <a:endCxn id="69" idx="2"/>
+            <a:stCxn id="62" idx="6"/>
+            <a:endCxn id="57" idx="5"/>
           </p:cNvCxnSpPr>
           <p:nvPr/>
         </p:nvCxnSpPr>
         <p:spPr>
           <a:xfrm rot="10800000">
-            <a:off x="5160700" y="1101495"/>
-            <a:ext cx="56700" cy="1094700"/>
+            <a:off x="6111300" y="2039900"/>
+            <a:ext cx="1742400" cy="1737900"/>
           </a:xfrm>
           <a:prstGeom prst="straightConnector1">
             <a:avLst/>
@@ -7727,20 +5963,20 @@
       </p:cxnSp>
       <p:sp>
         <p:nvSpPr>
-          <p:cNvPr id="79" name="Google Shape;79;p13"/>
+          <p:cNvPr id="59" name="Google Shape;59;p13"/>
           <p:cNvSpPr/>
           <p:nvPr/>
         </p:nvSpPr>
         <p:spPr>
           <a:xfrm>
-            <a:off x="5475225" y="1359400"/>
-            <a:ext cx="2461800" cy="245400"/>
+            <a:off x="1876300" y="3547175"/>
+            <a:ext cx="2781900" cy="590400"/>
           </a:xfrm>
           <a:prstGeom prst="ellipse">
             <a:avLst/>
           </a:prstGeom>
           <a:solidFill>
-            <a:srgbClr val="CFE2F3"/>
+            <a:schemeClr val="lt1"/>
           </a:solidFill>
           <a:ln cap="flat" cmpd="sng" w="9525">
             <a:solidFill>
@@ -7776,7 +6012,7 @@
               <a:buNone/>
             </a:pPr>
             <a:r>
-              <a:rPr b="0" i="0" lang="en" sz="1000" u="none" cap="none" strike="noStrike">
+              <a:rPr b="0" i="0" lang="en" sz="1600" u="none" cap="none" strike="noStrike">
                 <a:solidFill>
                   <a:srgbClr val="000000"/>
                 </a:solidFill>
@@ -7787,7 +6023,7 @@
               </a:rPr>
               <a:t>Créer un dossier social </a:t>
             </a:r>
-            <a:endParaRPr b="0" i="0" sz="1000" u="none" cap="none" strike="noStrike">
+            <a:endParaRPr b="0" i="0" sz="1600" u="none" cap="none" strike="noStrike">
               <a:solidFill>
                 <a:srgbClr val="000000"/>
               </a:solidFill>
@@ -7801,20 +6037,20 @@
       </p:sp>
       <p:sp>
         <p:nvSpPr>
-          <p:cNvPr id="108" name="Google Shape;108;p13"/>
+          <p:cNvPr id="64" name="Google Shape;64;p13"/>
           <p:cNvSpPr/>
           <p:nvPr/>
         </p:nvSpPr>
         <p:spPr>
           <a:xfrm>
-            <a:off x="4817550" y="240775"/>
-            <a:ext cx="3008100" cy="416400"/>
+            <a:off x="3004775" y="598600"/>
+            <a:ext cx="3368700" cy="669900"/>
           </a:xfrm>
           <a:prstGeom prst="ellipse">
             <a:avLst/>
           </a:prstGeom>
           <a:solidFill>
-            <a:srgbClr val="CFE2F3"/>
+            <a:schemeClr val="lt1"/>
           </a:solidFill>
           <a:ln cap="flat" cmpd="sng" w="9525">
             <a:solidFill>
@@ -7850,7 +6086,7 @@
               <a:buNone/>
             </a:pPr>
             <a:r>
-              <a:rPr b="0" i="0" lang="en" sz="1100" u="none" cap="none" strike="noStrike">
+              <a:rPr b="0" i="0" lang="en" sz="1600" u="none" cap="none" strike="noStrike">
                 <a:solidFill>
                   <a:srgbClr val="000000"/>
                 </a:solidFill>
@@ -7861,7 +6097,7 @@
               </a:rPr>
               <a:t>Informer le bénéficiaire par le rendez-vous</a:t>
             </a:r>
-            <a:endParaRPr b="0" i="0" sz="1100" u="none" cap="none" strike="noStrike">
+            <a:endParaRPr b="0" i="0" sz="1600" u="none" cap="none" strike="noStrike">
               <a:solidFill>
                 <a:srgbClr val="000000"/>
               </a:solidFill>
@@ -7873,136 +6109,6 @@
           </a:p>
         </p:txBody>
       </p:sp>
-      <p:sp>
-        <p:nvSpPr>
-          <p:cNvPr id="111" name="Google Shape;111;p13"/>
-          <p:cNvSpPr/>
-          <p:nvPr/>
-        </p:nvSpPr>
-        <p:spPr>
-          <a:xfrm>
-            <a:off x="2414850" y="2671250"/>
-            <a:ext cx="3483900" cy="216900"/>
-          </a:xfrm>
-          <a:prstGeom prst="ellipse">
-            <a:avLst/>
-          </a:prstGeom>
-          <a:noFill/>
-          <a:ln cap="flat" cmpd="sng" w="9525">
-            <a:solidFill>
-              <a:srgbClr val="000000"/>
-            </a:solidFill>
-            <a:prstDash val="solid"/>
-            <a:round/>
-            <a:headEnd len="sm" w="sm" type="none"/>
-            <a:tailEnd len="sm" w="sm" type="none"/>
-          </a:ln>
-        </p:spPr>
-        <p:txBody>
-          <a:bodyPr anchorCtr="0" anchor="ctr" bIns="91425" lIns="91425" spcFirstLastPara="1" rIns="91425" wrap="square" tIns="91425">
-            <a:noAutofit/>
-          </a:bodyPr>
-          <a:lstStyle/>
-          <a:p>
-            <a:pPr indent="0" lvl="0" marL="0" marR="0" rtl="0" algn="l">
-              <a:lnSpc>
-                <a:spcPct val="100000"/>
-              </a:lnSpc>
-              <a:spcBef>
-                <a:spcPts val="0"/>
-              </a:spcBef>
-              <a:spcAft>
-                <a:spcPts val="0"/>
-              </a:spcAft>
-              <a:buClr>
-                <a:srgbClr val="000000"/>
-              </a:buClr>
-              <a:buSzPts val="1100"/>
-              <a:buFont typeface="Arial"/>
-              <a:buNone/>
-            </a:pPr>
-            <a:r>
-              <a:rPr b="0" i="0" lang="en" sz="1100" u="none" cap="none" strike="noStrike">
-                <a:solidFill>
-                  <a:srgbClr val="000000"/>
-                </a:solidFill>
-                <a:latin typeface="Arial"/>
-                <a:ea typeface="Arial"/>
-                <a:cs typeface="Arial"/>
-                <a:sym typeface="Arial"/>
-              </a:rPr>
-              <a:t>Gestion des consultation externe</a:t>
-            </a:r>
-            <a:endParaRPr b="0" i="0" sz="1100" u="none" cap="none" strike="noStrike">
-              <a:solidFill>
-                <a:srgbClr val="000000"/>
-              </a:solidFill>
-              <a:latin typeface="Arial"/>
-              <a:ea typeface="Arial"/>
-              <a:cs typeface="Arial"/>
-              <a:sym typeface="Arial"/>
-            </a:endParaRPr>
-          </a:p>
-        </p:txBody>
-      </p:sp>
-      <p:cxnSp>
-        <p:nvCxnSpPr>
-          <p:cNvPr id="112" name="Google Shape;112;p13"/>
-          <p:cNvCxnSpPr>
-            <a:stCxn id="59" idx="3"/>
-            <a:endCxn id="111" idx="2"/>
-          </p:cNvCxnSpPr>
-          <p:nvPr/>
-        </p:nvCxnSpPr>
-        <p:spPr>
-          <a:xfrm>
-            <a:off x="1141250" y="1750337"/>
-            <a:ext cx="1273500" cy="1029300"/>
-          </a:xfrm>
-          <a:prstGeom prst="straightConnector1">
-            <a:avLst/>
-          </a:prstGeom>
-          <a:noFill/>
-          <a:ln cap="flat" cmpd="sng" w="9525">
-            <a:solidFill>
-              <a:srgbClr val="595959"/>
-            </a:solidFill>
-            <a:prstDash val="solid"/>
-            <a:round/>
-            <a:headEnd len="sm" w="sm" type="none"/>
-            <a:tailEnd len="sm" w="sm" type="none"/>
-          </a:ln>
-        </p:spPr>
-      </p:cxnSp>
-      <p:cxnSp>
-        <p:nvCxnSpPr>
-          <p:cNvPr id="113" name="Google Shape;113;p13"/>
-          <p:cNvCxnSpPr>
-            <a:stCxn id="85" idx="0"/>
-            <a:endCxn id="86" idx="4"/>
-          </p:cNvCxnSpPr>
-          <p:nvPr/>
-        </p:nvCxnSpPr>
-        <p:spPr>
-          <a:xfrm rot="10800000">
-            <a:off x="3383938" y="816275"/>
-            <a:ext cx="148800" cy="245400"/>
-          </a:xfrm>
-          <a:prstGeom prst="straightConnector1">
-            <a:avLst/>
-          </a:prstGeom>
-          <a:noFill/>
-          <a:ln cap="flat" cmpd="sng" w="9525">
-            <a:solidFill>
-              <a:srgbClr val="595959"/>
-            </a:solidFill>
-            <a:prstDash val="dash"/>
-            <a:round/>
-            <a:headEnd len="sm" w="sm" type="none"/>
-            <a:tailEnd len="med" w="med" type="triangle"/>
-          </a:ln>
-        </p:spPr>
-      </p:cxnSp>
     </p:spTree>
   </p:cSld>
   <p:clrMapOvr>
